--- a/doc/agile-integration.pptx
+++ b/doc/agile-integration.pptx
@@ -53,7 +53,7 @@
       </p:grpSpPr>
       <p:sp>
         <p:nvSpPr>
-          <p:cNvPr id="25" name="PlaceHolder 1"/>
+          <p:cNvPr id="23" name="PlaceHolder 1"/>
           <p:cNvSpPr>
             <a:spLocks noGrp="1"/>
           </p:cNvSpPr>
@@ -64,7 +64,7 @@
         <p:spPr>
           <a:xfrm>
             <a:off x="1523880" y="1122480"/>
-            <a:ext cx="9143640" cy="2387160"/>
+            <a:ext cx="9143280" cy="2386800"/>
           </a:xfrm>
           <a:prstGeom prst="rect">
             <a:avLst/>
@@ -73,18 +73,16 @@
         <p:txBody>
           <a:bodyPr lIns="0" rIns="0" tIns="0" bIns="0" anchor="ctr"/>
           <a:p>
-            <a:endParaRPr b="0" lang="de-DE" sz="1800" spc="-1" strike="noStrike">
-              <a:solidFill>
-                <a:srgbClr val="000000"/>
-              </a:solidFill>
-              <a:latin typeface="Calibri"/>
-            </a:endParaRPr>
-          </a:p>
-        </p:txBody>
-      </p:sp>
-      <p:sp>
-        <p:nvSpPr>
-          <p:cNvPr id="26" name="PlaceHolder 2"/>
+            <a:pPr algn="ctr"/>
+            <a:endParaRPr b="0" lang="de-DE" sz="4400" spc="-1" strike="noStrike">
+              <a:latin typeface="Arial"/>
+            </a:endParaRPr>
+          </a:p>
+        </p:txBody>
+      </p:sp>
+      <p:sp>
+        <p:nvSpPr>
+          <p:cNvPr id="24" name="PlaceHolder 2"/>
           <p:cNvSpPr>
             <a:spLocks noGrp="1"/>
           </p:cNvSpPr>
@@ -106,18 +104,15 @@
             <a:normAutofit/>
           </a:bodyPr>
           <a:p>
-            <a:endParaRPr b="0" lang="de-DE" sz="2800" spc="-1" strike="noStrike">
-              <a:solidFill>
-                <a:srgbClr val="000000"/>
-              </a:solidFill>
-              <a:latin typeface="Calibri"/>
-            </a:endParaRPr>
-          </a:p>
-        </p:txBody>
-      </p:sp>
-      <p:sp>
-        <p:nvSpPr>
-          <p:cNvPr id="27" name="PlaceHolder 3"/>
+            <a:endParaRPr b="0" lang="de-DE" sz="3200" spc="-1" strike="noStrike">
+              <a:latin typeface="Arial"/>
+            </a:endParaRPr>
+          </a:p>
+        </p:txBody>
+      </p:sp>
+      <p:sp>
+        <p:nvSpPr>
+          <p:cNvPr id="25" name="PlaceHolder 3"/>
           <p:cNvSpPr>
             <a:spLocks noGrp="1"/>
           </p:cNvSpPr>
@@ -139,11 +134,8 @@
             <a:normAutofit/>
           </a:bodyPr>
           <a:p>
-            <a:endParaRPr b="0" lang="de-DE" sz="2800" spc="-1" strike="noStrike">
-              <a:solidFill>
-                <a:srgbClr val="000000"/>
-              </a:solidFill>
-              <a:latin typeface="Calibri"/>
+            <a:endParaRPr b="0" lang="de-DE" sz="3200" spc="-1" strike="noStrike">
+              <a:latin typeface="Arial"/>
             </a:endParaRPr>
           </a:p>
         </p:txBody>
@@ -172,7 +164,7 @@
       </p:grpSpPr>
       <p:sp>
         <p:nvSpPr>
-          <p:cNvPr id="28" name="PlaceHolder 1"/>
+          <p:cNvPr id="26" name="PlaceHolder 1"/>
           <p:cNvSpPr>
             <a:spLocks noGrp="1"/>
           </p:cNvSpPr>
@@ -183,7 +175,7 @@
         <p:spPr>
           <a:xfrm>
             <a:off x="1523880" y="1122480"/>
-            <a:ext cx="9143640" cy="2387160"/>
+            <a:ext cx="9143280" cy="2386800"/>
           </a:xfrm>
           <a:prstGeom prst="rect">
             <a:avLst/>
@@ -192,18 +184,16 @@
         <p:txBody>
           <a:bodyPr lIns="0" rIns="0" tIns="0" bIns="0" anchor="ctr"/>
           <a:p>
-            <a:endParaRPr b="0" lang="de-DE" sz="1800" spc="-1" strike="noStrike">
-              <a:solidFill>
-                <a:srgbClr val="000000"/>
-              </a:solidFill>
-              <a:latin typeface="Calibri"/>
-            </a:endParaRPr>
-          </a:p>
-        </p:txBody>
-      </p:sp>
-      <p:sp>
-        <p:nvSpPr>
-          <p:cNvPr id="29" name="PlaceHolder 2"/>
+            <a:pPr algn="ctr"/>
+            <a:endParaRPr b="0" lang="de-DE" sz="4400" spc="-1" strike="noStrike">
+              <a:latin typeface="Arial"/>
+            </a:endParaRPr>
+          </a:p>
+        </p:txBody>
+      </p:sp>
+      <p:sp>
+        <p:nvSpPr>
+          <p:cNvPr id="27" name="PlaceHolder 2"/>
           <p:cNvSpPr>
             <a:spLocks noGrp="1"/>
           </p:cNvSpPr>
@@ -225,18 +215,15 @@
             <a:normAutofit/>
           </a:bodyPr>
           <a:p>
-            <a:endParaRPr b="0" lang="de-DE" sz="2800" spc="-1" strike="noStrike">
-              <a:solidFill>
-                <a:srgbClr val="000000"/>
-              </a:solidFill>
-              <a:latin typeface="Calibri"/>
-            </a:endParaRPr>
-          </a:p>
-        </p:txBody>
-      </p:sp>
-      <p:sp>
-        <p:nvSpPr>
-          <p:cNvPr id="30" name="PlaceHolder 3"/>
+            <a:endParaRPr b="0" lang="de-DE" sz="3200" spc="-1" strike="noStrike">
+              <a:latin typeface="Arial"/>
+            </a:endParaRPr>
+          </a:p>
+        </p:txBody>
+      </p:sp>
+      <p:sp>
+        <p:nvSpPr>
+          <p:cNvPr id="28" name="PlaceHolder 3"/>
           <p:cNvSpPr>
             <a:spLocks noGrp="1"/>
           </p:cNvSpPr>
@@ -258,18 +245,15 @@
             <a:normAutofit/>
           </a:bodyPr>
           <a:p>
-            <a:endParaRPr b="0" lang="de-DE" sz="2800" spc="-1" strike="noStrike">
-              <a:solidFill>
-                <a:srgbClr val="000000"/>
-              </a:solidFill>
-              <a:latin typeface="Calibri"/>
-            </a:endParaRPr>
-          </a:p>
-        </p:txBody>
-      </p:sp>
-      <p:sp>
-        <p:nvSpPr>
-          <p:cNvPr id="31" name="PlaceHolder 4"/>
+            <a:endParaRPr b="0" lang="de-DE" sz="3200" spc="-1" strike="noStrike">
+              <a:latin typeface="Arial"/>
+            </a:endParaRPr>
+          </a:p>
+        </p:txBody>
+      </p:sp>
+      <p:sp>
+        <p:nvSpPr>
+          <p:cNvPr id="29" name="PlaceHolder 4"/>
           <p:cNvSpPr>
             <a:spLocks noGrp="1"/>
           </p:cNvSpPr>
@@ -291,18 +275,15 @@
             <a:normAutofit/>
           </a:bodyPr>
           <a:p>
-            <a:endParaRPr b="0" lang="de-DE" sz="2800" spc="-1" strike="noStrike">
-              <a:solidFill>
-                <a:srgbClr val="000000"/>
-              </a:solidFill>
-              <a:latin typeface="Calibri"/>
-            </a:endParaRPr>
-          </a:p>
-        </p:txBody>
-      </p:sp>
-      <p:sp>
-        <p:nvSpPr>
-          <p:cNvPr id="32" name="PlaceHolder 5"/>
+            <a:endParaRPr b="0" lang="de-DE" sz="3200" spc="-1" strike="noStrike">
+              <a:latin typeface="Arial"/>
+            </a:endParaRPr>
+          </a:p>
+        </p:txBody>
+      </p:sp>
+      <p:sp>
+        <p:nvSpPr>
+          <p:cNvPr id="30" name="PlaceHolder 5"/>
           <p:cNvSpPr>
             <a:spLocks noGrp="1"/>
           </p:cNvSpPr>
@@ -324,11 +305,8 @@
             <a:normAutofit/>
           </a:bodyPr>
           <a:p>
-            <a:endParaRPr b="0" lang="de-DE" sz="2800" spc="-1" strike="noStrike">
-              <a:solidFill>
-                <a:srgbClr val="000000"/>
-              </a:solidFill>
-              <a:latin typeface="Calibri"/>
+            <a:endParaRPr b="0" lang="de-DE" sz="3200" spc="-1" strike="noStrike">
+              <a:latin typeface="Arial"/>
             </a:endParaRPr>
           </a:p>
         </p:txBody>
@@ -357,7 +335,7 @@
       </p:grpSpPr>
       <p:sp>
         <p:nvSpPr>
-          <p:cNvPr id="33" name="PlaceHolder 1"/>
+          <p:cNvPr id="31" name="PlaceHolder 1"/>
           <p:cNvSpPr>
             <a:spLocks noGrp="1"/>
           </p:cNvSpPr>
@@ -368,7 +346,7 @@
         <p:spPr>
           <a:xfrm>
             <a:off x="1523880" y="1122480"/>
-            <a:ext cx="9143640" cy="2387160"/>
+            <a:ext cx="9143280" cy="2386800"/>
           </a:xfrm>
           <a:prstGeom prst="rect">
             <a:avLst/>
@@ -377,18 +355,16 @@
         <p:txBody>
           <a:bodyPr lIns="0" rIns="0" tIns="0" bIns="0" anchor="ctr"/>
           <a:p>
-            <a:endParaRPr b="0" lang="de-DE" sz="1800" spc="-1" strike="noStrike">
-              <a:solidFill>
-                <a:srgbClr val="000000"/>
-              </a:solidFill>
-              <a:latin typeface="Calibri"/>
-            </a:endParaRPr>
-          </a:p>
-        </p:txBody>
-      </p:sp>
-      <p:sp>
-        <p:nvSpPr>
-          <p:cNvPr id="34" name="PlaceHolder 2"/>
+            <a:pPr algn="ctr"/>
+            <a:endParaRPr b="0" lang="de-DE" sz="4400" spc="-1" strike="noStrike">
+              <a:latin typeface="Arial"/>
+            </a:endParaRPr>
+          </a:p>
+        </p:txBody>
+      </p:sp>
+      <p:sp>
+        <p:nvSpPr>
+          <p:cNvPr id="32" name="PlaceHolder 2"/>
           <p:cNvSpPr>
             <a:spLocks noGrp="1"/>
           </p:cNvSpPr>
@@ -410,18 +386,15 @@
             <a:normAutofit/>
           </a:bodyPr>
           <a:p>
-            <a:endParaRPr b="0" lang="de-DE" sz="2800" spc="-1" strike="noStrike">
-              <a:solidFill>
-                <a:srgbClr val="000000"/>
-              </a:solidFill>
-              <a:latin typeface="Calibri"/>
-            </a:endParaRPr>
-          </a:p>
-        </p:txBody>
-      </p:sp>
-      <p:sp>
-        <p:nvSpPr>
-          <p:cNvPr id="35" name="PlaceHolder 3"/>
+            <a:endParaRPr b="0" lang="de-DE" sz="3200" spc="-1" strike="noStrike">
+              <a:latin typeface="Arial"/>
+            </a:endParaRPr>
+          </a:p>
+        </p:txBody>
+      </p:sp>
+      <p:sp>
+        <p:nvSpPr>
+          <p:cNvPr id="33" name="PlaceHolder 3"/>
           <p:cNvSpPr>
             <a:spLocks noGrp="1"/>
           </p:cNvSpPr>
@@ -443,18 +416,15 @@
             <a:normAutofit/>
           </a:bodyPr>
           <a:p>
-            <a:endParaRPr b="0" lang="de-DE" sz="2800" spc="-1" strike="noStrike">
-              <a:solidFill>
-                <a:srgbClr val="000000"/>
-              </a:solidFill>
-              <a:latin typeface="Calibri"/>
-            </a:endParaRPr>
-          </a:p>
-        </p:txBody>
-      </p:sp>
-      <p:sp>
-        <p:nvSpPr>
-          <p:cNvPr id="36" name="PlaceHolder 4"/>
+            <a:endParaRPr b="0" lang="de-DE" sz="3200" spc="-1" strike="noStrike">
+              <a:latin typeface="Arial"/>
+            </a:endParaRPr>
+          </a:p>
+        </p:txBody>
+      </p:sp>
+      <p:sp>
+        <p:nvSpPr>
+          <p:cNvPr id="34" name="PlaceHolder 4"/>
           <p:cNvSpPr>
             <a:spLocks noGrp="1"/>
           </p:cNvSpPr>
@@ -476,18 +446,15 @@
             <a:normAutofit/>
           </a:bodyPr>
           <a:p>
-            <a:endParaRPr b="0" lang="de-DE" sz="2800" spc="-1" strike="noStrike">
-              <a:solidFill>
-                <a:srgbClr val="000000"/>
-              </a:solidFill>
-              <a:latin typeface="Calibri"/>
-            </a:endParaRPr>
-          </a:p>
-        </p:txBody>
-      </p:sp>
-      <p:sp>
-        <p:nvSpPr>
-          <p:cNvPr id="37" name="PlaceHolder 5"/>
+            <a:endParaRPr b="0" lang="de-DE" sz="3200" spc="-1" strike="noStrike">
+              <a:latin typeface="Arial"/>
+            </a:endParaRPr>
+          </a:p>
+        </p:txBody>
+      </p:sp>
+      <p:sp>
+        <p:nvSpPr>
+          <p:cNvPr id="35" name="PlaceHolder 5"/>
           <p:cNvSpPr>
             <a:spLocks noGrp="1"/>
           </p:cNvSpPr>
@@ -509,18 +476,15 @@
             <a:normAutofit/>
           </a:bodyPr>
           <a:p>
-            <a:endParaRPr b="0" lang="de-DE" sz="2800" spc="-1" strike="noStrike">
-              <a:solidFill>
-                <a:srgbClr val="000000"/>
-              </a:solidFill>
-              <a:latin typeface="Calibri"/>
-            </a:endParaRPr>
-          </a:p>
-        </p:txBody>
-      </p:sp>
-      <p:sp>
-        <p:nvSpPr>
-          <p:cNvPr id="38" name="PlaceHolder 6"/>
+            <a:endParaRPr b="0" lang="de-DE" sz="3200" spc="-1" strike="noStrike">
+              <a:latin typeface="Arial"/>
+            </a:endParaRPr>
+          </a:p>
+        </p:txBody>
+      </p:sp>
+      <p:sp>
+        <p:nvSpPr>
+          <p:cNvPr id="36" name="PlaceHolder 6"/>
           <p:cNvSpPr>
             <a:spLocks noGrp="1"/>
           </p:cNvSpPr>
@@ -542,18 +506,15 @@
             <a:normAutofit/>
           </a:bodyPr>
           <a:p>
-            <a:endParaRPr b="0" lang="de-DE" sz="2800" spc="-1" strike="noStrike">
-              <a:solidFill>
-                <a:srgbClr val="000000"/>
-              </a:solidFill>
-              <a:latin typeface="Calibri"/>
-            </a:endParaRPr>
-          </a:p>
-        </p:txBody>
-      </p:sp>
-      <p:sp>
-        <p:nvSpPr>
-          <p:cNvPr id="39" name="PlaceHolder 7"/>
+            <a:endParaRPr b="0" lang="de-DE" sz="3200" spc="-1" strike="noStrike">
+              <a:latin typeface="Arial"/>
+            </a:endParaRPr>
+          </a:p>
+        </p:txBody>
+      </p:sp>
+      <p:sp>
+        <p:nvSpPr>
+          <p:cNvPr id="37" name="PlaceHolder 7"/>
           <p:cNvSpPr>
             <a:spLocks noGrp="1"/>
           </p:cNvSpPr>
@@ -575,11 +536,8 @@
             <a:normAutofit/>
           </a:bodyPr>
           <a:p>
-            <a:endParaRPr b="0" lang="de-DE" sz="2800" spc="-1" strike="noStrike">
-              <a:solidFill>
-                <a:srgbClr val="000000"/>
-              </a:solidFill>
-              <a:latin typeface="Calibri"/>
+            <a:endParaRPr b="0" lang="de-DE" sz="3200" spc="-1" strike="noStrike">
+              <a:latin typeface="Arial"/>
             </a:endParaRPr>
           </a:p>
         </p:txBody>
@@ -608,7 +566,7 @@
       </p:grpSpPr>
       <p:sp>
         <p:nvSpPr>
-          <p:cNvPr id="4" name="PlaceHolder 1"/>
+          <p:cNvPr id="2" name="PlaceHolder 1"/>
           <p:cNvSpPr>
             <a:spLocks noGrp="1"/>
           </p:cNvSpPr>
@@ -619,7 +577,7 @@
         <p:spPr>
           <a:xfrm>
             <a:off x="1523880" y="1122480"/>
-            <a:ext cx="9143640" cy="2387160"/>
+            <a:ext cx="9143280" cy="2386800"/>
           </a:xfrm>
           <a:prstGeom prst="rect">
             <a:avLst/>
@@ -628,18 +586,16 @@
         <p:txBody>
           <a:bodyPr lIns="0" rIns="0" tIns="0" bIns="0" anchor="ctr"/>
           <a:p>
-            <a:endParaRPr b="0" lang="de-DE" sz="1800" spc="-1" strike="noStrike">
-              <a:solidFill>
-                <a:srgbClr val="000000"/>
-              </a:solidFill>
-              <a:latin typeface="Calibri"/>
-            </a:endParaRPr>
-          </a:p>
-        </p:txBody>
-      </p:sp>
-      <p:sp>
-        <p:nvSpPr>
-          <p:cNvPr id="5" name="PlaceHolder 2"/>
+            <a:pPr algn="ctr"/>
+            <a:endParaRPr b="0" lang="de-DE" sz="4400" spc="-1" strike="noStrike">
+              <a:latin typeface="Arial"/>
+            </a:endParaRPr>
+          </a:p>
+        </p:txBody>
+      </p:sp>
+      <p:sp>
+        <p:nvSpPr>
+          <p:cNvPr id="3" name="PlaceHolder 2"/>
           <p:cNvSpPr>
             <a:spLocks noGrp="1"/>
           </p:cNvSpPr>
@@ -690,7 +646,7 @@
       </p:grpSpPr>
       <p:sp>
         <p:nvSpPr>
-          <p:cNvPr id="6" name="PlaceHolder 1"/>
+          <p:cNvPr id="4" name="PlaceHolder 1"/>
           <p:cNvSpPr>
             <a:spLocks noGrp="1"/>
           </p:cNvSpPr>
@@ -701,7 +657,7 @@
         <p:spPr>
           <a:xfrm>
             <a:off x="1523880" y="1122480"/>
-            <a:ext cx="9143640" cy="2387160"/>
+            <a:ext cx="9143280" cy="2386800"/>
           </a:xfrm>
           <a:prstGeom prst="rect">
             <a:avLst/>
@@ -710,18 +666,16 @@
         <p:txBody>
           <a:bodyPr lIns="0" rIns="0" tIns="0" bIns="0" anchor="ctr"/>
           <a:p>
-            <a:endParaRPr b="0" lang="de-DE" sz="1800" spc="-1" strike="noStrike">
-              <a:solidFill>
-                <a:srgbClr val="000000"/>
-              </a:solidFill>
-              <a:latin typeface="Calibri"/>
-            </a:endParaRPr>
-          </a:p>
-        </p:txBody>
-      </p:sp>
-      <p:sp>
-        <p:nvSpPr>
-          <p:cNvPr id="7" name="PlaceHolder 2"/>
+            <a:pPr algn="ctr"/>
+            <a:endParaRPr b="0" lang="de-DE" sz="4400" spc="-1" strike="noStrike">
+              <a:latin typeface="Arial"/>
+            </a:endParaRPr>
+          </a:p>
+        </p:txBody>
+      </p:sp>
+      <p:sp>
+        <p:nvSpPr>
+          <p:cNvPr id="5" name="PlaceHolder 2"/>
           <p:cNvSpPr>
             <a:spLocks noGrp="1"/>
           </p:cNvSpPr>
@@ -743,11 +697,8 @@
             <a:normAutofit/>
           </a:bodyPr>
           <a:p>
-            <a:endParaRPr b="0" lang="de-DE" sz="2800" spc="-1" strike="noStrike">
-              <a:solidFill>
-                <a:srgbClr val="000000"/>
-              </a:solidFill>
-              <a:latin typeface="Calibri"/>
+            <a:endParaRPr b="0" lang="de-DE" sz="3200" spc="-1" strike="noStrike">
+              <a:latin typeface="Arial"/>
             </a:endParaRPr>
           </a:p>
         </p:txBody>
@@ -776,7 +727,7 @@
       </p:grpSpPr>
       <p:sp>
         <p:nvSpPr>
-          <p:cNvPr id="8" name="PlaceHolder 1"/>
+          <p:cNvPr id="6" name="PlaceHolder 1"/>
           <p:cNvSpPr>
             <a:spLocks noGrp="1"/>
           </p:cNvSpPr>
@@ -787,7 +738,7 @@
         <p:spPr>
           <a:xfrm>
             <a:off x="1523880" y="1122480"/>
-            <a:ext cx="9143640" cy="2387160"/>
+            <a:ext cx="9143280" cy="2386800"/>
           </a:xfrm>
           <a:prstGeom prst="rect">
             <a:avLst/>
@@ -796,18 +747,16 @@
         <p:txBody>
           <a:bodyPr lIns="0" rIns="0" tIns="0" bIns="0" anchor="ctr"/>
           <a:p>
-            <a:endParaRPr b="0" lang="de-DE" sz="1800" spc="-1" strike="noStrike">
-              <a:solidFill>
-                <a:srgbClr val="000000"/>
-              </a:solidFill>
-              <a:latin typeface="Calibri"/>
-            </a:endParaRPr>
-          </a:p>
-        </p:txBody>
-      </p:sp>
-      <p:sp>
-        <p:nvSpPr>
-          <p:cNvPr id="9" name="PlaceHolder 2"/>
+            <a:pPr algn="ctr"/>
+            <a:endParaRPr b="0" lang="de-DE" sz="4400" spc="-1" strike="noStrike">
+              <a:latin typeface="Arial"/>
+            </a:endParaRPr>
+          </a:p>
+        </p:txBody>
+      </p:sp>
+      <p:sp>
+        <p:nvSpPr>
+          <p:cNvPr id="7" name="PlaceHolder 2"/>
           <p:cNvSpPr>
             <a:spLocks noGrp="1"/>
           </p:cNvSpPr>
@@ -829,18 +778,15 @@
             <a:normAutofit/>
           </a:bodyPr>
           <a:p>
-            <a:endParaRPr b="0" lang="de-DE" sz="2800" spc="-1" strike="noStrike">
-              <a:solidFill>
-                <a:srgbClr val="000000"/>
-              </a:solidFill>
-              <a:latin typeface="Calibri"/>
-            </a:endParaRPr>
-          </a:p>
-        </p:txBody>
-      </p:sp>
-      <p:sp>
-        <p:nvSpPr>
-          <p:cNvPr id="10" name="PlaceHolder 3"/>
+            <a:endParaRPr b="0" lang="de-DE" sz="3200" spc="-1" strike="noStrike">
+              <a:latin typeface="Arial"/>
+            </a:endParaRPr>
+          </a:p>
+        </p:txBody>
+      </p:sp>
+      <p:sp>
+        <p:nvSpPr>
+          <p:cNvPr id="8" name="PlaceHolder 3"/>
           <p:cNvSpPr>
             <a:spLocks noGrp="1"/>
           </p:cNvSpPr>
@@ -862,11 +808,8 @@
             <a:normAutofit/>
           </a:bodyPr>
           <a:p>
-            <a:endParaRPr b="0" lang="de-DE" sz="2800" spc="-1" strike="noStrike">
-              <a:solidFill>
-                <a:srgbClr val="000000"/>
-              </a:solidFill>
-              <a:latin typeface="Calibri"/>
+            <a:endParaRPr b="0" lang="de-DE" sz="3200" spc="-1" strike="noStrike">
+              <a:latin typeface="Arial"/>
             </a:endParaRPr>
           </a:p>
         </p:txBody>
@@ -895,7 +838,7 @@
       </p:grpSpPr>
       <p:sp>
         <p:nvSpPr>
-          <p:cNvPr id="11" name="PlaceHolder 1"/>
+          <p:cNvPr id="9" name="PlaceHolder 1"/>
           <p:cNvSpPr>
             <a:spLocks noGrp="1"/>
           </p:cNvSpPr>
@@ -906,7 +849,7 @@
         <p:spPr>
           <a:xfrm>
             <a:off x="1523880" y="1122480"/>
-            <a:ext cx="9143640" cy="2387160"/>
+            <a:ext cx="9143280" cy="2386800"/>
           </a:xfrm>
           <a:prstGeom prst="rect">
             <a:avLst/>
@@ -915,11 +858,9 @@
         <p:txBody>
           <a:bodyPr lIns="0" rIns="0" tIns="0" bIns="0" anchor="ctr"/>
           <a:p>
-            <a:endParaRPr b="0" lang="de-DE" sz="1800" spc="-1" strike="noStrike">
-              <a:solidFill>
-                <a:srgbClr val="000000"/>
-              </a:solidFill>
-              <a:latin typeface="Calibri"/>
+            <a:pPr algn="ctr"/>
+            <a:endParaRPr b="0" lang="de-DE" sz="4400" spc="-1" strike="noStrike">
+              <a:latin typeface="Arial"/>
             </a:endParaRPr>
           </a:p>
         </p:txBody>
@@ -948,7 +889,7 @@
       </p:grpSpPr>
       <p:sp>
         <p:nvSpPr>
-          <p:cNvPr id="12" name="PlaceHolder 1"/>
+          <p:cNvPr id="10" name="PlaceHolder 1"/>
           <p:cNvSpPr>
             <a:spLocks noGrp="1"/>
           </p:cNvSpPr>
@@ -959,7 +900,7 @@
         <p:spPr>
           <a:xfrm>
             <a:off x="1523880" y="1122480"/>
-            <a:ext cx="9143640" cy="11066760"/>
+            <a:ext cx="9143280" cy="11064960"/>
           </a:xfrm>
           <a:prstGeom prst="rect">
             <a:avLst/>
@@ -999,7 +940,7 @@
       </p:grpSpPr>
       <p:sp>
         <p:nvSpPr>
-          <p:cNvPr id="13" name="PlaceHolder 1"/>
+          <p:cNvPr id="11" name="PlaceHolder 1"/>
           <p:cNvSpPr>
             <a:spLocks noGrp="1"/>
           </p:cNvSpPr>
@@ -1010,7 +951,7 @@
         <p:spPr>
           <a:xfrm>
             <a:off x="1523880" y="1122480"/>
-            <a:ext cx="9143640" cy="2387160"/>
+            <a:ext cx="9143280" cy="2386800"/>
           </a:xfrm>
           <a:prstGeom prst="rect">
             <a:avLst/>
@@ -1019,18 +960,16 @@
         <p:txBody>
           <a:bodyPr lIns="0" rIns="0" tIns="0" bIns="0" anchor="ctr"/>
           <a:p>
-            <a:endParaRPr b="0" lang="de-DE" sz="1800" spc="-1" strike="noStrike">
-              <a:solidFill>
-                <a:srgbClr val="000000"/>
-              </a:solidFill>
-              <a:latin typeface="Calibri"/>
-            </a:endParaRPr>
-          </a:p>
-        </p:txBody>
-      </p:sp>
-      <p:sp>
-        <p:nvSpPr>
-          <p:cNvPr id="14" name="PlaceHolder 2"/>
+            <a:pPr algn="ctr"/>
+            <a:endParaRPr b="0" lang="de-DE" sz="4400" spc="-1" strike="noStrike">
+              <a:latin typeface="Arial"/>
+            </a:endParaRPr>
+          </a:p>
+        </p:txBody>
+      </p:sp>
+      <p:sp>
+        <p:nvSpPr>
+          <p:cNvPr id="12" name="PlaceHolder 2"/>
           <p:cNvSpPr>
             <a:spLocks noGrp="1"/>
           </p:cNvSpPr>
@@ -1052,18 +991,15 @@
             <a:normAutofit/>
           </a:bodyPr>
           <a:p>
-            <a:endParaRPr b="0" lang="de-DE" sz="2800" spc="-1" strike="noStrike">
-              <a:solidFill>
-                <a:srgbClr val="000000"/>
-              </a:solidFill>
-              <a:latin typeface="Calibri"/>
-            </a:endParaRPr>
-          </a:p>
-        </p:txBody>
-      </p:sp>
-      <p:sp>
-        <p:nvSpPr>
-          <p:cNvPr id="15" name="PlaceHolder 3"/>
+            <a:endParaRPr b="0" lang="de-DE" sz="3200" spc="-1" strike="noStrike">
+              <a:latin typeface="Arial"/>
+            </a:endParaRPr>
+          </a:p>
+        </p:txBody>
+      </p:sp>
+      <p:sp>
+        <p:nvSpPr>
+          <p:cNvPr id="13" name="PlaceHolder 3"/>
           <p:cNvSpPr>
             <a:spLocks noGrp="1"/>
           </p:cNvSpPr>
@@ -1085,18 +1021,15 @@
             <a:normAutofit/>
           </a:bodyPr>
           <a:p>
-            <a:endParaRPr b="0" lang="de-DE" sz="2800" spc="-1" strike="noStrike">
-              <a:solidFill>
-                <a:srgbClr val="000000"/>
-              </a:solidFill>
-              <a:latin typeface="Calibri"/>
-            </a:endParaRPr>
-          </a:p>
-        </p:txBody>
-      </p:sp>
-      <p:sp>
-        <p:nvSpPr>
-          <p:cNvPr id="16" name="PlaceHolder 4"/>
+            <a:endParaRPr b="0" lang="de-DE" sz="3200" spc="-1" strike="noStrike">
+              <a:latin typeface="Arial"/>
+            </a:endParaRPr>
+          </a:p>
+        </p:txBody>
+      </p:sp>
+      <p:sp>
+        <p:nvSpPr>
+          <p:cNvPr id="14" name="PlaceHolder 4"/>
           <p:cNvSpPr>
             <a:spLocks noGrp="1"/>
           </p:cNvSpPr>
@@ -1118,11 +1051,8 @@
             <a:normAutofit/>
           </a:bodyPr>
           <a:p>
-            <a:endParaRPr b="0" lang="de-DE" sz="2800" spc="-1" strike="noStrike">
-              <a:solidFill>
-                <a:srgbClr val="000000"/>
-              </a:solidFill>
-              <a:latin typeface="Calibri"/>
+            <a:endParaRPr b="0" lang="de-DE" sz="3200" spc="-1" strike="noStrike">
+              <a:latin typeface="Arial"/>
             </a:endParaRPr>
           </a:p>
         </p:txBody>
@@ -1151,7 +1081,7 @@
       </p:grpSpPr>
       <p:sp>
         <p:nvSpPr>
-          <p:cNvPr id="17" name="PlaceHolder 1"/>
+          <p:cNvPr id="15" name="PlaceHolder 1"/>
           <p:cNvSpPr>
             <a:spLocks noGrp="1"/>
           </p:cNvSpPr>
@@ -1162,7 +1092,7 @@
         <p:spPr>
           <a:xfrm>
             <a:off x="1523880" y="1122480"/>
-            <a:ext cx="9143640" cy="2387160"/>
+            <a:ext cx="9143280" cy="2386800"/>
           </a:xfrm>
           <a:prstGeom prst="rect">
             <a:avLst/>
@@ -1171,18 +1101,16 @@
         <p:txBody>
           <a:bodyPr lIns="0" rIns="0" tIns="0" bIns="0" anchor="ctr"/>
           <a:p>
-            <a:endParaRPr b="0" lang="de-DE" sz="1800" spc="-1" strike="noStrike">
-              <a:solidFill>
-                <a:srgbClr val="000000"/>
-              </a:solidFill>
-              <a:latin typeface="Calibri"/>
-            </a:endParaRPr>
-          </a:p>
-        </p:txBody>
-      </p:sp>
-      <p:sp>
-        <p:nvSpPr>
-          <p:cNvPr id="18" name="PlaceHolder 2"/>
+            <a:pPr algn="ctr"/>
+            <a:endParaRPr b="0" lang="de-DE" sz="4400" spc="-1" strike="noStrike">
+              <a:latin typeface="Arial"/>
+            </a:endParaRPr>
+          </a:p>
+        </p:txBody>
+      </p:sp>
+      <p:sp>
+        <p:nvSpPr>
+          <p:cNvPr id="16" name="PlaceHolder 2"/>
           <p:cNvSpPr>
             <a:spLocks noGrp="1"/>
           </p:cNvSpPr>
@@ -1204,18 +1132,15 @@
             <a:normAutofit/>
           </a:bodyPr>
           <a:p>
-            <a:endParaRPr b="0" lang="de-DE" sz="2800" spc="-1" strike="noStrike">
-              <a:solidFill>
-                <a:srgbClr val="000000"/>
-              </a:solidFill>
-              <a:latin typeface="Calibri"/>
-            </a:endParaRPr>
-          </a:p>
-        </p:txBody>
-      </p:sp>
-      <p:sp>
-        <p:nvSpPr>
-          <p:cNvPr id="19" name="PlaceHolder 3"/>
+            <a:endParaRPr b="0" lang="de-DE" sz="3200" spc="-1" strike="noStrike">
+              <a:latin typeface="Arial"/>
+            </a:endParaRPr>
+          </a:p>
+        </p:txBody>
+      </p:sp>
+      <p:sp>
+        <p:nvSpPr>
+          <p:cNvPr id="17" name="PlaceHolder 3"/>
           <p:cNvSpPr>
             <a:spLocks noGrp="1"/>
           </p:cNvSpPr>
@@ -1237,18 +1162,15 @@
             <a:normAutofit/>
           </a:bodyPr>
           <a:p>
-            <a:endParaRPr b="0" lang="de-DE" sz="2800" spc="-1" strike="noStrike">
-              <a:solidFill>
-                <a:srgbClr val="000000"/>
-              </a:solidFill>
-              <a:latin typeface="Calibri"/>
-            </a:endParaRPr>
-          </a:p>
-        </p:txBody>
-      </p:sp>
-      <p:sp>
-        <p:nvSpPr>
-          <p:cNvPr id="20" name="PlaceHolder 4"/>
+            <a:endParaRPr b="0" lang="de-DE" sz="3200" spc="-1" strike="noStrike">
+              <a:latin typeface="Arial"/>
+            </a:endParaRPr>
+          </a:p>
+        </p:txBody>
+      </p:sp>
+      <p:sp>
+        <p:nvSpPr>
+          <p:cNvPr id="18" name="PlaceHolder 4"/>
           <p:cNvSpPr>
             <a:spLocks noGrp="1"/>
           </p:cNvSpPr>
@@ -1270,11 +1192,8 @@
             <a:normAutofit/>
           </a:bodyPr>
           <a:p>
-            <a:endParaRPr b="0" lang="de-DE" sz="2800" spc="-1" strike="noStrike">
-              <a:solidFill>
-                <a:srgbClr val="000000"/>
-              </a:solidFill>
-              <a:latin typeface="Calibri"/>
+            <a:endParaRPr b="0" lang="de-DE" sz="3200" spc="-1" strike="noStrike">
+              <a:latin typeface="Arial"/>
             </a:endParaRPr>
           </a:p>
         </p:txBody>
@@ -1303,7 +1222,7 @@
       </p:grpSpPr>
       <p:sp>
         <p:nvSpPr>
-          <p:cNvPr id="21" name="PlaceHolder 1"/>
+          <p:cNvPr id="19" name="PlaceHolder 1"/>
           <p:cNvSpPr>
             <a:spLocks noGrp="1"/>
           </p:cNvSpPr>
@@ -1314,7 +1233,7 @@
         <p:spPr>
           <a:xfrm>
             <a:off x="1523880" y="1122480"/>
-            <a:ext cx="9143640" cy="2387160"/>
+            <a:ext cx="9143280" cy="2386800"/>
           </a:xfrm>
           <a:prstGeom prst="rect">
             <a:avLst/>
@@ -1323,18 +1242,16 @@
         <p:txBody>
           <a:bodyPr lIns="0" rIns="0" tIns="0" bIns="0" anchor="ctr"/>
           <a:p>
-            <a:endParaRPr b="0" lang="de-DE" sz="1800" spc="-1" strike="noStrike">
-              <a:solidFill>
-                <a:srgbClr val="000000"/>
-              </a:solidFill>
-              <a:latin typeface="Calibri"/>
-            </a:endParaRPr>
-          </a:p>
-        </p:txBody>
-      </p:sp>
-      <p:sp>
-        <p:nvSpPr>
-          <p:cNvPr id="22" name="PlaceHolder 2"/>
+            <a:pPr algn="ctr"/>
+            <a:endParaRPr b="0" lang="de-DE" sz="4400" spc="-1" strike="noStrike">
+              <a:latin typeface="Arial"/>
+            </a:endParaRPr>
+          </a:p>
+        </p:txBody>
+      </p:sp>
+      <p:sp>
+        <p:nvSpPr>
+          <p:cNvPr id="20" name="PlaceHolder 2"/>
           <p:cNvSpPr>
             <a:spLocks noGrp="1"/>
           </p:cNvSpPr>
@@ -1356,18 +1273,15 @@
             <a:normAutofit/>
           </a:bodyPr>
           <a:p>
-            <a:endParaRPr b="0" lang="de-DE" sz="2800" spc="-1" strike="noStrike">
-              <a:solidFill>
-                <a:srgbClr val="000000"/>
-              </a:solidFill>
-              <a:latin typeface="Calibri"/>
-            </a:endParaRPr>
-          </a:p>
-        </p:txBody>
-      </p:sp>
-      <p:sp>
-        <p:nvSpPr>
-          <p:cNvPr id="23" name="PlaceHolder 3"/>
+            <a:endParaRPr b="0" lang="de-DE" sz="3200" spc="-1" strike="noStrike">
+              <a:latin typeface="Arial"/>
+            </a:endParaRPr>
+          </a:p>
+        </p:txBody>
+      </p:sp>
+      <p:sp>
+        <p:nvSpPr>
+          <p:cNvPr id="21" name="PlaceHolder 3"/>
           <p:cNvSpPr>
             <a:spLocks noGrp="1"/>
           </p:cNvSpPr>
@@ -1389,18 +1303,15 @@
             <a:normAutofit/>
           </a:bodyPr>
           <a:p>
-            <a:endParaRPr b="0" lang="de-DE" sz="2800" spc="-1" strike="noStrike">
-              <a:solidFill>
-                <a:srgbClr val="000000"/>
-              </a:solidFill>
-              <a:latin typeface="Calibri"/>
-            </a:endParaRPr>
-          </a:p>
-        </p:txBody>
-      </p:sp>
-      <p:sp>
-        <p:nvSpPr>
-          <p:cNvPr id="24" name="PlaceHolder 4"/>
+            <a:endParaRPr b="0" lang="de-DE" sz="3200" spc="-1" strike="noStrike">
+              <a:latin typeface="Arial"/>
+            </a:endParaRPr>
+          </a:p>
+        </p:txBody>
+      </p:sp>
+      <p:sp>
+        <p:nvSpPr>
+          <p:cNvPr id="22" name="PlaceHolder 4"/>
           <p:cNvSpPr>
             <a:spLocks noGrp="1"/>
           </p:cNvSpPr>
@@ -1422,11 +1333,8 @@
             <a:normAutofit/>
           </a:bodyPr>
           <a:p>
-            <a:endParaRPr b="0" lang="de-DE" sz="2800" spc="-1" strike="noStrike">
-              <a:solidFill>
-                <a:srgbClr val="000000"/>
-              </a:solidFill>
-              <a:latin typeface="Calibri"/>
+            <a:endParaRPr b="0" lang="de-DE" sz="3200" spc="-1" strike="noStrike">
+              <a:latin typeface="Arial"/>
             </a:endParaRPr>
           </a:p>
         </p:txBody>
@@ -1473,146 +1381,202 @@
         <p:spPr>
           <a:xfrm>
             <a:off x="1523880" y="1122480"/>
-            <a:ext cx="9143640" cy="2387160"/>
-          </a:xfrm>
-          <a:prstGeom prst="rect">
-            <a:avLst/>
-          </a:prstGeom>
-        </p:spPr>
-        <p:txBody>
-          <a:bodyPr anchor="b"/>
-          <a:p>
-            <a:pPr algn="ctr">
-              <a:lnSpc>
-                <a:spcPct val="100000"/>
-              </a:lnSpc>
-            </a:pPr>
-            <a:r>
-              <a:rPr b="0" lang="de-DE" sz="6000" spc="-1" strike="noStrike">
-                <a:solidFill>
-                  <a:srgbClr val="000000"/>
-                </a:solidFill>
-                <a:latin typeface="Calibri Light"/>
-              </a:rPr>
-              <a:t>Mastertitelformat bearbeiten</a:t>
-            </a:r>
-            <a:endParaRPr b="0" lang="de-DE" sz="6000" spc="-1" strike="noStrike">
-              <a:solidFill>
+            <a:ext cx="9143280" cy="2386800"/>
+          </a:xfrm>
+          <a:prstGeom prst="rect">
+            <a:avLst/>
+          </a:prstGeom>
+        </p:spPr>
+        <p:txBody>
+          <a:bodyPr lIns="0" rIns="0" tIns="0" bIns="0" anchor="ctr"/>
+          <a:p>
+            <a:r>
+              <a:rPr b="0" lang="de-DE" sz="1800" spc="-1" strike="noStrike">
+                <a:latin typeface="Arial"/>
+              </a:rPr>
+              <a:t>Format des Titeltextes durch Klicken bearbeiten</a:t>
+            </a:r>
+            <a:endParaRPr b="0" lang="de-DE" sz="1800" spc="-1" strike="noStrike">
+              <a:latin typeface="Arial"/>
+            </a:endParaRPr>
+          </a:p>
+        </p:txBody>
+      </p:sp>
+      <p:sp>
+        <p:nvSpPr>
+          <p:cNvPr id="1" name="PlaceHolder 2"/>
+          <p:cNvSpPr>
+            <a:spLocks noGrp="1"/>
+          </p:cNvSpPr>
+          <p:nvPr>
+            <p:ph type="body"/>
+          </p:nvPr>
+        </p:nvSpPr>
+        <p:spPr>
+          <a:xfrm>
+            <a:off x="609480" y="1604520"/>
+            <a:ext cx="10972440" cy="3977280"/>
+          </a:xfrm>
+          <a:prstGeom prst="rect">
+            <a:avLst/>
+          </a:prstGeom>
+        </p:spPr>
+        <p:txBody>
+          <a:bodyPr lIns="0" rIns="0" tIns="0" bIns="0">
+            <a:normAutofit/>
+          </a:bodyPr>
+          <a:p>
+            <a:pPr marL="432000" indent="-324000">
+              <a:spcBef>
+                <a:spcPts val="1417"/>
+              </a:spcBef>
+              <a:buClr>
                 <a:srgbClr val="000000"/>
-              </a:solidFill>
-              <a:latin typeface="Calibri"/>
-            </a:endParaRPr>
-          </a:p>
-        </p:txBody>
-      </p:sp>
-      <p:sp>
-        <p:nvSpPr>
-          <p:cNvPr id="1" name="PlaceHolder 2"/>
-          <p:cNvSpPr>
-            <a:spLocks noGrp="1"/>
-          </p:cNvSpPr>
-          <p:nvPr>
-            <p:ph type="dt"/>
-          </p:nvPr>
-        </p:nvSpPr>
-        <p:spPr>
-          <a:xfrm>
-            <a:off x="838080" y="6356520"/>
-            <a:ext cx="2742840" cy="364680"/>
-          </a:xfrm>
-          <a:prstGeom prst="rect">
-            <a:avLst/>
-          </a:prstGeom>
-        </p:spPr>
-        <p:txBody>
-          <a:bodyPr anchor="ctr"/>
-          <a:p>
-            <a:pPr>
-              <a:lnSpc>
-                <a:spcPct val="100000"/>
-              </a:lnSpc>
-            </a:pPr>
-            <a:fld id="{ABA84F04-AF7D-40AA-8F9C-39CD182E01F0}" type="datetime">
-              <a:rPr b="0" lang="de-DE" sz="1200" spc="-1" strike="noStrike">
-                <a:solidFill>
-                  <a:srgbClr val="8b8b8b"/>
-                </a:solidFill>
-                <a:latin typeface="Calibri"/>
-              </a:rPr>
-              <a:t>28.12.17</a:t>
-            </a:fld>
-            <a:endParaRPr b="0" lang="de-DE" sz="1200" spc="-1" strike="noStrike">
-              <a:latin typeface="Times New Roman"/>
-            </a:endParaRPr>
-          </a:p>
-        </p:txBody>
-      </p:sp>
-      <p:sp>
-        <p:nvSpPr>
-          <p:cNvPr id="2" name="PlaceHolder 3"/>
-          <p:cNvSpPr>
-            <a:spLocks noGrp="1"/>
-          </p:cNvSpPr>
-          <p:nvPr>
-            <p:ph type="ftr"/>
-          </p:nvPr>
-        </p:nvSpPr>
-        <p:spPr>
-          <a:xfrm>
-            <a:off x="4038480" y="6356520"/>
-            <a:ext cx="4114440" cy="364680"/>
-          </a:xfrm>
-          <a:prstGeom prst="rect">
-            <a:avLst/>
-          </a:prstGeom>
-        </p:spPr>
-        <p:txBody>
-          <a:bodyPr anchor="ctr"/>
-          <a:p>
+              </a:buClr>
+              <a:buSzPct val="45000"/>
+              <a:buFont typeface="Wingdings" charset="2"/>
+              <a:buChar char=""/>
+            </a:pPr>
+            <a:r>
+              <a:rPr b="0" lang="de-DE" sz="3200" spc="-1" strike="noStrike">
+                <a:latin typeface="Arial"/>
+              </a:rPr>
+              <a:t>Format des Gliederungstextes durch Klicken bearbeiten</a:t>
+            </a:r>
+            <a:endParaRPr b="0" lang="de-DE" sz="3200" spc="-1" strike="noStrike">
+              <a:latin typeface="Arial"/>
+            </a:endParaRPr>
+          </a:p>
+          <a:p>
+            <a:pPr lvl="1" marL="864000" indent="-324000">
+              <a:spcBef>
+                <a:spcPts val="1134"/>
+              </a:spcBef>
+              <a:buClr>
+                <a:srgbClr val="000000"/>
+              </a:buClr>
+              <a:buSzPct val="75000"/>
+              <a:buFont typeface="Symbol" charset="2"/>
+              <a:buChar char=""/>
+            </a:pPr>
+            <a:r>
+              <a:rPr b="0" lang="de-DE" sz="2800" spc="-1" strike="noStrike">
+                <a:latin typeface="Arial"/>
+              </a:rPr>
+              <a:t>Zweite Gliederungsebene</a:t>
+            </a:r>
+            <a:endParaRPr b="0" lang="de-DE" sz="2800" spc="-1" strike="noStrike">
+              <a:latin typeface="Arial"/>
+            </a:endParaRPr>
+          </a:p>
+          <a:p>
+            <a:pPr lvl="2" marL="1296000" indent="-288000">
+              <a:spcBef>
+                <a:spcPts val="850"/>
+              </a:spcBef>
+              <a:buClr>
+                <a:srgbClr val="000000"/>
+              </a:buClr>
+              <a:buSzPct val="45000"/>
+              <a:buFont typeface="Wingdings" charset="2"/>
+              <a:buChar char=""/>
+            </a:pPr>
+            <a:r>
+              <a:rPr b="0" lang="de-DE" sz="2400" spc="-1" strike="noStrike">
+                <a:latin typeface="Arial"/>
+              </a:rPr>
+              <a:t>Dritte Gliederungsebene</a:t>
+            </a:r>
             <a:endParaRPr b="0" lang="de-DE" sz="2400" spc="-1" strike="noStrike">
-              <a:latin typeface="Times New Roman"/>
-            </a:endParaRPr>
-          </a:p>
-        </p:txBody>
-      </p:sp>
-      <p:sp>
-        <p:nvSpPr>
-          <p:cNvPr id="3" name="PlaceHolder 4"/>
-          <p:cNvSpPr>
-            <a:spLocks noGrp="1"/>
-          </p:cNvSpPr>
-          <p:nvPr>
-            <p:ph type="sldNum"/>
-          </p:nvPr>
-        </p:nvSpPr>
-        <p:spPr>
-          <a:xfrm>
-            <a:off x="8610480" y="6356520"/>
-            <a:ext cx="2742840" cy="364680"/>
-          </a:xfrm>
-          <a:prstGeom prst="rect">
-            <a:avLst/>
-          </a:prstGeom>
-        </p:spPr>
-        <p:txBody>
-          <a:bodyPr anchor="ctr"/>
-          <a:p>
-            <a:pPr algn="r">
-              <a:lnSpc>
-                <a:spcPct val="100000"/>
-              </a:lnSpc>
-            </a:pPr>
-            <a:fld id="{E90CF926-7860-4D2C-A85E-58CFF26B9FA2}" type="slidenum">
-              <a:rPr b="0" lang="de-DE" sz="1200" spc="-1" strike="noStrike">
-                <a:solidFill>
-                  <a:srgbClr val="8b8b8b"/>
-                </a:solidFill>
-                <a:latin typeface="Calibri"/>
-              </a:rPr>
-              <a:t>&lt;Foliennummer&gt;</a:t>
-            </a:fld>
-            <a:endParaRPr b="0" lang="de-DE" sz="1200" spc="-1" strike="noStrike">
-              <a:latin typeface="Times New Roman"/>
+              <a:latin typeface="Arial"/>
+            </a:endParaRPr>
+          </a:p>
+          <a:p>
+            <a:pPr lvl="3" marL="1728000" indent="-216000">
+              <a:spcBef>
+                <a:spcPts val="567"/>
+              </a:spcBef>
+              <a:buClr>
+                <a:srgbClr val="000000"/>
+              </a:buClr>
+              <a:buSzPct val="75000"/>
+              <a:buFont typeface="Symbol" charset="2"/>
+              <a:buChar char=""/>
+            </a:pPr>
+            <a:r>
+              <a:rPr b="0" lang="de-DE" sz="2000" spc="-1" strike="noStrike">
+                <a:latin typeface="Arial"/>
+              </a:rPr>
+              <a:t>Vierte Gliederungsebene</a:t>
+            </a:r>
+            <a:endParaRPr b="0" lang="de-DE" sz="2000" spc="-1" strike="noStrike">
+              <a:latin typeface="Arial"/>
+            </a:endParaRPr>
+          </a:p>
+          <a:p>
+            <a:pPr lvl="4" marL="2160000" indent="-216000">
+              <a:spcBef>
+                <a:spcPts val="283"/>
+              </a:spcBef>
+              <a:buClr>
+                <a:srgbClr val="000000"/>
+              </a:buClr>
+              <a:buSzPct val="45000"/>
+              <a:buFont typeface="Wingdings" charset="2"/>
+              <a:buChar char=""/>
+            </a:pPr>
+            <a:r>
+              <a:rPr b="0" lang="de-DE" sz="2000" spc="-1" strike="noStrike">
+                <a:latin typeface="Arial"/>
+              </a:rPr>
+              <a:t>Fünfte Gliederungsebene</a:t>
+            </a:r>
+            <a:endParaRPr b="0" lang="de-DE" sz="2000" spc="-1" strike="noStrike">
+              <a:latin typeface="Arial"/>
+            </a:endParaRPr>
+          </a:p>
+          <a:p>
+            <a:pPr lvl="5" marL="2592000" indent="-216000">
+              <a:spcBef>
+                <a:spcPts val="283"/>
+              </a:spcBef>
+              <a:buClr>
+                <a:srgbClr val="000000"/>
+              </a:buClr>
+              <a:buSzPct val="45000"/>
+              <a:buFont typeface="Wingdings" charset="2"/>
+              <a:buChar char=""/>
+            </a:pPr>
+            <a:r>
+              <a:rPr b="0" lang="de-DE" sz="2000" spc="-1" strike="noStrike">
+                <a:latin typeface="Arial"/>
+              </a:rPr>
+              <a:t>Sechste Gliederungsebene</a:t>
+            </a:r>
+            <a:endParaRPr b="0" lang="de-DE" sz="2000" spc="-1" strike="noStrike">
+              <a:latin typeface="Arial"/>
+            </a:endParaRPr>
+          </a:p>
+          <a:p>
+            <a:pPr lvl="6" marL="3024000" indent="-216000">
+              <a:spcBef>
+                <a:spcPts val="283"/>
+              </a:spcBef>
+              <a:buClr>
+                <a:srgbClr val="000000"/>
+              </a:buClr>
+              <a:buSzPct val="45000"/>
+              <a:buFont typeface="Wingdings" charset="2"/>
+              <a:buChar char=""/>
+            </a:pPr>
+            <a:r>
+              <a:rPr b="0" lang="de-DE" sz="2000" spc="-1" strike="noStrike">
+                <a:latin typeface="Arial"/>
+              </a:rPr>
+              <a:t>Siebte Gliederungsebene</a:t>
+            </a:r>
+            <a:endParaRPr b="0" lang="de-DE" sz="2000" spc="-1" strike="noStrike">
+              <a:latin typeface="Arial"/>
             </a:endParaRPr>
           </a:p>
         </p:txBody>
@@ -1656,19 +1620,21 @@
       </p:grpSpPr>
       <p:sp>
         <p:nvSpPr>
-          <p:cNvPr id="40" name="CustomShape 1"/>
+          <p:cNvPr id="38" name="CustomShape 1"/>
           <p:cNvSpPr/>
           <p:nvPr/>
         </p:nvSpPr>
         <p:spPr>
           <a:xfrm>
-            <a:off x="6137280" y="2736720"/>
-            <a:ext cx="5716440" cy="3578760"/>
-          </a:xfrm>
-          <a:prstGeom prst="rect">
-            <a:avLst/>
-          </a:prstGeom>
-          <a:ln w="25560"/>
+            <a:off x="4985280" y="1836720"/>
+            <a:ext cx="5716080" cy="3578400"/>
+          </a:xfrm>
+          <a:prstGeom prst="rect">
+            <a:avLst/>
+          </a:prstGeom>
+          <a:ln>
+            <a:round/>
+          </a:ln>
         </p:spPr>
         <p:style>
           <a:lnRef idx="2">
@@ -1696,6 +1662,7 @@
                   <a:srgbClr val="000000"/>
                 </a:solidFill>
                 <a:latin typeface="Calibri"/>
+                <a:ea typeface="DejaVu Sans"/>
               </a:rPr>
               <a:t>Database Policy Enforcement Proxy</a:t>
             </a:r>
@@ -1707,19 +1674,21 @@
       </p:sp>
       <p:sp>
         <p:nvSpPr>
-          <p:cNvPr id="41" name="CustomShape 2"/>
+          <p:cNvPr id="39" name="CustomShape 2"/>
           <p:cNvSpPr/>
           <p:nvPr/>
         </p:nvSpPr>
         <p:spPr>
           <a:xfrm>
-            <a:off x="6256440" y="4089600"/>
-            <a:ext cx="1197360" cy="703800"/>
-          </a:xfrm>
-          <a:prstGeom prst="rect">
-            <a:avLst/>
-          </a:prstGeom>
-          <a:ln/>
+            <a:off x="5104440" y="3189600"/>
+            <a:ext cx="1197000" cy="703440"/>
+          </a:xfrm>
+          <a:prstGeom prst="rect">
+            <a:avLst/>
+          </a:prstGeom>
+          <a:ln>
+            <a:round/>
+          </a:ln>
         </p:spPr>
         <p:style>
           <a:lnRef idx="2">
@@ -1747,6 +1716,7 @@
                   <a:srgbClr val="000000"/>
                 </a:solidFill>
                 <a:latin typeface="Calibri"/>
+                <a:ea typeface="DejaVu Sans"/>
               </a:rPr>
               <a:t>User &amp; Group</a:t>
             </a:r>
@@ -1766,6 +1736,7 @@
                   <a:srgbClr val="000000"/>
                 </a:solidFill>
                 <a:latin typeface="Calibri"/>
+                <a:ea typeface="DejaVu Sans"/>
               </a:rPr>
               <a:t>Creator</a:t>
             </a:r>
@@ -1773,23 +1744,55 @@
               <a:latin typeface="Arial"/>
             </a:endParaRPr>
           </a:p>
-        </p:txBody>
-      </p:sp>
-      <p:sp>
-        <p:nvSpPr>
-          <p:cNvPr id="42" name="CustomShape 3"/>
+          <a:p>
+            <a:pPr algn="ctr">
+              <a:lnSpc>
+                <a:spcPct val="100000"/>
+              </a:lnSpc>
+            </a:pPr>
+            <a:endParaRPr b="0" lang="de-DE" sz="1000" spc="-1" strike="noStrike">
+              <a:latin typeface="Arial"/>
+            </a:endParaRPr>
+          </a:p>
+          <a:p>
+            <a:pPr algn="ctr">
+              <a:lnSpc>
+                <a:spcPct val="100000"/>
+              </a:lnSpc>
+            </a:pPr>
+            <a:r>
+              <a:rPr b="1" lang="de-DE" sz="600" spc="-1" strike="noStrike">
+                <a:solidFill>
+                  <a:srgbClr val="000000"/>
+                </a:solidFill>
+                <a:latin typeface="DejaVu Sans Mono"/>
+                <a:ea typeface="DejaVu Sans"/>
+              </a:rPr>
+              <a:t>agile-u+g.py</a:t>
+            </a:r>
+            <a:endParaRPr b="0" lang="de-DE" sz="600" spc="-1" strike="noStrike">
+              <a:latin typeface="Arial"/>
+            </a:endParaRPr>
+          </a:p>
+        </p:txBody>
+      </p:sp>
+      <p:sp>
+        <p:nvSpPr>
+          <p:cNvPr id="40" name="CustomShape 3"/>
           <p:cNvSpPr/>
           <p:nvPr/>
         </p:nvSpPr>
         <p:spPr>
           <a:xfrm>
-            <a:off x="7697520" y="4086720"/>
-            <a:ext cx="1197360" cy="703800"/>
-          </a:xfrm>
-          <a:prstGeom prst="rect">
-            <a:avLst/>
-          </a:prstGeom>
-          <a:ln/>
+            <a:off x="6545520" y="3186720"/>
+            <a:ext cx="1197000" cy="703440"/>
+          </a:xfrm>
+          <a:prstGeom prst="rect">
+            <a:avLst/>
+          </a:prstGeom>
+          <a:ln>
+            <a:round/>
+          </a:ln>
         </p:spPr>
         <p:style>
           <a:lnRef idx="2">
@@ -1817,6 +1820,7 @@
                   <a:srgbClr val="000000"/>
                 </a:solidFill>
                 <a:latin typeface="Calibri"/>
+                <a:ea typeface="DejaVu Sans"/>
               </a:rPr>
               <a:t>Access Policy</a:t>
             </a:r>
@@ -1836,6 +1840,7 @@
                   <a:srgbClr val="000000"/>
                 </a:solidFill>
                 <a:latin typeface="Calibri"/>
+                <a:ea typeface="DejaVu Sans"/>
               </a:rPr>
               <a:t>Creator</a:t>
             </a:r>
@@ -1843,23 +1848,55 @@
               <a:latin typeface="Arial"/>
             </a:endParaRPr>
           </a:p>
-        </p:txBody>
-      </p:sp>
-      <p:sp>
-        <p:nvSpPr>
-          <p:cNvPr id="43" name="CustomShape 4"/>
+          <a:p>
+            <a:pPr algn="ctr">
+              <a:lnSpc>
+                <a:spcPct val="100000"/>
+              </a:lnSpc>
+            </a:pPr>
+            <a:endParaRPr b="0" lang="de-DE" sz="1000" spc="-1" strike="noStrike">
+              <a:latin typeface="Arial"/>
+            </a:endParaRPr>
+          </a:p>
+          <a:p>
+            <a:pPr algn="ctr">
+              <a:lnSpc>
+                <a:spcPct val="100000"/>
+              </a:lnSpc>
+            </a:pPr>
+            <a:r>
+              <a:rPr b="1" lang="de-DE" sz="600" spc="-1" strike="noStrike">
+                <a:solidFill>
+                  <a:srgbClr val="000000"/>
+                </a:solidFill>
+                <a:latin typeface="DejaVu Sans Mono"/>
+                <a:ea typeface="DejaVu Sans"/>
+              </a:rPr>
+              <a:t>agile-db-policies.py</a:t>
+            </a:r>
+            <a:endParaRPr b="0" lang="de-DE" sz="600" spc="-1" strike="noStrike">
+              <a:latin typeface="Arial"/>
+            </a:endParaRPr>
+          </a:p>
+        </p:txBody>
+      </p:sp>
+      <p:sp>
+        <p:nvSpPr>
+          <p:cNvPr id="41" name="CustomShape 4"/>
           <p:cNvSpPr/>
           <p:nvPr/>
         </p:nvSpPr>
         <p:spPr>
           <a:xfrm>
-            <a:off x="6258600" y="5355000"/>
-            <a:ext cx="1197360" cy="703800"/>
-          </a:xfrm>
-          <a:prstGeom prst="rect">
-            <a:avLst/>
-          </a:prstGeom>
-          <a:ln/>
+            <a:off x="5106600" y="4455000"/>
+            <a:ext cx="1197000" cy="703440"/>
+          </a:xfrm>
+          <a:prstGeom prst="rect">
+            <a:avLst/>
+          </a:prstGeom>
+          <a:ln>
+            <a:round/>
+          </a:ln>
         </p:spPr>
         <p:style>
           <a:lnRef idx="2">
@@ -1887,6 +1924,7 @@
                   <a:srgbClr val="000000"/>
                 </a:solidFill>
                 <a:latin typeface="Calibri"/>
+                <a:ea typeface="DejaVu Sans"/>
               </a:rPr>
               <a:t>MySQL</a:t>
             </a:r>
@@ -1906,6 +1944,7 @@
                   <a:srgbClr val="000000"/>
                 </a:solidFill>
                 <a:latin typeface="Calibri"/>
+                <a:ea typeface="DejaVu Sans"/>
               </a:rPr>
               <a:t>Connector</a:t>
             </a:r>
@@ -1913,23 +1952,45 @@
               <a:latin typeface="Arial"/>
             </a:endParaRPr>
           </a:p>
-        </p:txBody>
-      </p:sp>
-      <p:sp>
-        <p:nvSpPr>
-          <p:cNvPr id="44" name="CustomShape 5"/>
+          <a:p>
+            <a:pPr algn="ctr">
+              <a:lnSpc>
+                <a:spcPct val="100000"/>
+              </a:lnSpc>
+            </a:pPr>
+            <a:r>
+              <a:rPr b="1" lang="de-DE" sz="600" spc="-1" strike="noStrike">
+                <a:solidFill>
+                  <a:srgbClr val="000000"/>
+                </a:solidFill>
+                <a:latin typeface="DejaVu Sans Mono"/>
+                <a:ea typeface="DejaVu Sans"/>
+              </a:rPr>
+              <a:t>utils/mysqlc.py</a:t>
+            </a:r>
+            <a:endParaRPr b="0" lang="de-DE" sz="600" spc="-1" strike="noStrike">
+              <a:latin typeface="Arial"/>
+            </a:endParaRPr>
+          </a:p>
+        </p:txBody>
+      </p:sp>
+      <p:sp>
+        <p:nvSpPr>
+          <p:cNvPr id="42" name="CustomShape 5"/>
           <p:cNvSpPr/>
           <p:nvPr/>
         </p:nvSpPr>
         <p:spPr>
           <a:xfrm>
-            <a:off x="9127080" y="4089600"/>
-            <a:ext cx="1197360" cy="703800"/>
-          </a:xfrm>
-          <a:prstGeom prst="rect">
-            <a:avLst/>
-          </a:prstGeom>
-          <a:ln/>
+            <a:off x="7975080" y="3189600"/>
+            <a:ext cx="1197000" cy="703440"/>
+          </a:xfrm>
+          <a:prstGeom prst="rect">
+            <a:avLst/>
+          </a:prstGeom>
+          <a:ln>
+            <a:round/>
+          </a:ln>
         </p:spPr>
         <p:style>
           <a:lnRef idx="2">
@@ -1957,6 +2018,7 @@
                   <a:srgbClr val="000000"/>
                 </a:solidFill>
                 <a:latin typeface="Calibri"/>
+                <a:ea typeface="DejaVu Sans"/>
               </a:rPr>
               <a:t>AGILE Entity Translator</a:t>
             </a:r>
@@ -1964,23 +2026,55 @@
               <a:latin typeface="Arial"/>
             </a:endParaRPr>
           </a:p>
-        </p:txBody>
-      </p:sp>
-      <p:sp>
-        <p:nvSpPr>
-          <p:cNvPr id="45" name="CustomShape 6"/>
+          <a:p>
+            <a:pPr algn="ctr">
+              <a:lnSpc>
+                <a:spcPct val="100000"/>
+              </a:lnSpc>
+            </a:pPr>
+            <a:endParaRPr b="0" lang="de-DE" sz="1000" spc="-1" strike="noStrike">
+              <a:latin typeface="Arial"/>
+            </a:endParaRPr>
+          </a:p>
+          <a:p>
+            <a:pPr algn="ctr">
+              <a:lnSpc>
+                <a:spcPct val="100000"/>
+              </a:lnSpc>
+            </a:pPr>
+            <a:r>
+              <a:rPr b="1" lang="de-DE" sz="600" spc="-1" strike="noStrike">
+                <a:solidFill>
+                  <a:srgbClr val="000000"/>
+                </a:solidFill>
+                <a:latin typeface="DejaVu Sans Mono"/>
+                <a:ea typeface="DejaVu Sans"/>
+              </a:rPr>
+              <a:t>agile-db.js</a:t>
+            </a:r>
+            <a:endParaRPr b="0" lang="de-DE" sz="600" spc="-1" strike="noStrike">
+              <a:latin typeface="Arial"/>
+            </a:endParaRPr>
+          </a:p>
+        </p:txBody>
+      </p:sp>
+      <p:sp>
+        <p:nvSpPr>
+          <p:cNvPr id="43" name="CustomShape 6"/>
           <p:cNvSpPr/>
           <p:nvPr/>
         </p:nvSpPr>
         <p:spPr>
           <a:xfrm>
-            <a:off x="6244200" y="2834280"/>
-            <a:ext cx="1197360" cy="703800"/>
-          </a:xfrm>
-          <a:prstGeom prst="rect">
-            <a:avLst/>
-          </a:prstGeom>
-          <a:ln/>
+            <a:off x="5092200" y="1934280"/>
+            <a:ext cx="1197000" cy="703440"/>
+          </a:xfrm>
+          <a:prstGeom prst="rect">
+            <a:avLst/>
+          </a:prstGeom>
+          <a:ln>
+            <a:round/>
+          </a:ln>
         </p:spPr>
         <p:style>
           <a:lnRef idx="2">
@@ -2008,6 +2102,7 @@
                   <a:srgbClr val="000000"/>
                 </a:solidFill>
                 <a:latin typeface="Calibri"/>
+                <a:ea typeface="DejaVu Sans"/>
               </a:rPr>
               <a:t>AGILE SDK</a:t>
             </a:r>
@@ -2027,6 +2122,7 @@
                   <a:srgbClr val="000000"/>
                 </a:solidFill>
                 <a:latin typeface="Calibri"/>
+                <a:ea typeface="DejaVu Sans"/>
               </a:rPr>
               <a:t>Proxy</a:t>
             </a:r>
@@ -2034,23 +2130,55 @@
               <a:latin typeface="Arial"/>
             </a:endParaRPr>
           </a:p>
-        </p:txBody>
-      </p:sp>
-      <p:sp>
-        <p:nvSpPr>
-          <p:cNvPr id="46" name="CustomShape 7"/>
+          <a:p>
+            <a:pPr algn="ctr">
+              <a:lnSpc>
+                <a:spcPct val="100000"/>
+              </a:lnSpc>
+            </a:pPr>
+            <a:endParaRPr b="0" lang="de-DE" sz="1000" spc="-1" strike="noStrike">
+              <a:latin typeface="Arial"/>
+            </a:endParaRPr>
+          </a:p>
+          <a:p>
+            <a:pPr algn="ctr">
+              <a:lnSpc>
+                <a:spcPct val="100000"/>
+              </a:lnSpc>
+            </a:pPr>
+            <a:r>
+              <a:rPr b="1" lang="de-DE" sz="600" spc="-1" strike="noStrike">
+                <a:solidFill>
+                  <a:srgbClr val="000000"/>
+                </a:solidFill>
+                <a:latin typeface="DejaVu Sans Mono"/>
+                <a:ea typeface="DejaVu Sans"/>
+              </a:rPr>
+              <a:t>agile-sdk-proxy.js</a:t>
+            </a:r>
+            <a:endParaRPr b="0" lang="de-DE" sz="600" spc="-1" strike="noStrike">
+              <a:latin typeface="Arial"/>
+            </a:endParaRPr>
+          </a:p>
+        </p:txBody>
+      </p:sp>
+      <p:sp>
+        <p:nvSpPr>
+          <p:cNvPr id="44" name="CustomShape 7"/>
           <p:cNvSpPr/>
           <p:nvPr/>
         </p:nvSpPr>
         <p:spPr>
           <a:xfrm>
-            <a:off x="7695000" y="2835360"/>
-            <a:ext cx="1197360" cy="703800"/>
-          </a:xfrm>
-          <a:prstGeom prst="rect">
-            <a:avLst/>
-          </a:prstGeom>
-          <a:ln/>
+            <a:off x="6543000" y="1935360"/>
+            <a:ext cx="1197000" cy="703440"/>
+          </a:xfrm>
+          <a:prstGeom prst="rect">
+            <a:avLst/>
+          </a:prstGeom>
+          <a:ln>
+            <a:round/>
+          </a:ln>
         </p:spPr>
         <p:style>
           <a:lnRef idx="2">
@@ -2078,6 +2206,7 @@
                   <a:srgbClr val="000000"/>
                 </a:solidFill>
                 <a:latin typeface="Calibri"/>
+                <a:ea typeface="DejaVu Sans"/>
               </a:rPr>
               <a:t>AGILE SDK</a:t>
             </a:r>
@@ -2097,6 +2226,7 @@
                   <a:srgbClr val="000000"/>
                 </a:solidFill>
                 <a:latin typeface="Calibri"/>
+                <a:ea typeface="DejaVu Sans"/>
               </a:rPr>
               <a:t>Handler</a:t>
             </a:r>
@@ -2104,18 +2234,48 @@
               <a:latin typeface="Arial"/>
             </a:endParaRPr>
           </a:p>
-        </p:txBody>
-      </p:sp>
-      <p:sp>
-        <p:nvSpPr>
-          <p:cNvPr id="47" name="CustomShape 8"/>
+          <a:p>
+            <a:pPr algn="ctr">
+              <a:lnSpc>
+                <a:spcPct val="100000"/>
+              </a:lnSpc>
+            </a:pPr>
+            <a:endParaRPr b="0" lang="de-DE" sz="1000" spc="-1" strike="noStrike">
+              <a:latin typeface="Arial"/>
+            </a:endParaRPr>
+          </a:p>
+          <a:p>
+            <a:pPr algn="ctr">
+              <a:lnSpc>
+                <a:spcPct val="100000"/>
+              </a:lnSpc>
+            </a:pPr>
+            <a:r>
+              <a:rPr b="1" lang="de-DE" sz="600" spc="-1" strike="noStrike">
+                <a:solidFill>
+                  <a:srgbClr val="000000"/>
+                </a:solidFill>
+                <a:latin typeface="DejaVu Sans Mono"/>
+                <a:ea typeface="DejaVu Sans"/>
+              </a:rPr>
+              <a:t>agile-sdk-handler.js</a:t>
+            </a:r>
+            <a:endParaRPr b="0" lang="de-DE" sz="600" spc="-1" strike="noStrike">
+              <a:latin typeface="Arial"/>
+            </a:endParaRPr>
+          </a:p>
+        </p:txBody>
+      </p:sp>
+      <p:sp>
+        <p:nvSpPr>
+          <p:cNvPr id="45" name="CustomShape 8"/>
           <p:cNvSpPr/>
           <p:nvPr/>
         </p:nvSpPr>
         <p:spPr>
           <a:xfrm>
-            <a:off x="6733080" y="4808880"/>
-            <a:ext cx="1712880" cy="242640"/>
+            <a:off x="5581080" y="3908880"/>
+            <a:ext cx="1712520" cy="242280"/>
           </a:xfrm>
           <a:prstGeom prst="rect">
             <a:avLst/>
@@ -2145,6 +2305,7 @@
                   <a:srgbClr val="000000"/>
                 </a:solidFill>
                 <a:latin typeface="Calibri"/>
+                <a:ea typeface="DejaVu Sans"/>
               </a:rPr>
               <a:t>Supportive Components</a:t>
             </a:r>
@@ -2156,19 +2317,21 @@
       </p:sp>
       <p:sp>
         <p:nvSpPr>
-          <p:cNvPr id="48" name="CustomShape 9"/>
+          <p:cNvPr id="46" name="CustomShape 9"/>
           <p:cNvSpPr/>
           <p:nvPr/>
         </p:nvSpPr>
         <p:spPr>
           <a:xfrm>
-            <a:off x="10550520" y="4086720"/>
-            <a:ext cx="1197360" cy="703800"/>
-          </a:xfrm>
-          <a:prstGeom prst="rect">
-            <a:avLst/>
-          </a:prstGeom>
-          <a:ln/>
+            <a:off x="9398520" y="3186720"/>
+            <a:ext cx="1197000" cy="703440"/>
+          </a:xfrm>
+          <a:prstGeom prst="rect">
+            <a:avLst/>
+          </a:prstGeom>
+          <a:ln>
+            <a:round/>
+          </a:ln>
         </p:spPr>
         <p:style>
           <a:lnRef idx="2">
@@ -2196,25 +2359,37 @@
                   <a:srgbClr val="000000"/>
                 </a:solidFill>
                 <a:latin typeface="Calibri"/>
-              </a:rPr>
-              <a:t>Policy Enforcement</a:t>
-            </a:r>
-            <a:endParaRPr b="0" lang="de-DE" sz="1000" spc="-1" strike="noStrike">
-              <a:latin typeface="Arial"/>
-            </a:endParaRPr>
-          </a:p>
-          <a:p>
-            <a:pPr algn="ctr">
-              <a:lnSpc>
-                <a:spcPct val="100000"/>
-              </a:lnSpc>
-            </a:pPr>
+                <a:ea typeface="DejaVu Sans"/>
+              </a:rPr>
+              <a:t>Policy </a:t>
+            </a:r>
             <a:r>
               <a:rPr b="0" lang="de-DE" sz="1000" spc="-1" strike="noStrike">
                 <a:solidFill>
                   <a:srgbClr val="000000"/>
                 </a:solidFill>
                 <a:latin typeface="Calibri"/>
+                <a:ea typeface="DejaVu Sans"/>
+              </a:rPr>
+              <a:t>Enforcement</a:t>
+            </a:r>
+            <a:endParaRPr b="0" lang="de-DE" sz="1000" spc="-1" strike="noStrike">
+              <a:latin typeface="Arial"/>
+            </a:endParaRPr>
+          </a:p>
+          <a:p>
+            <a:pPr algn="ctr">
+              <a:lnSpc>
+                <a:spcPct val="100000"/>
+              </a:lnSpc>
+            </a:pPr>
+            <a:r>
+              <a:rPr b="0" lang="de-DE" sz="1000" spc="-1" strike="noStrike">
+                <a:solidFill>
+                  <a:srgbClr val="000000"/>
+                </a:solidFill>
+                <a:latin typeface="Calibri"/>
+                <a:ea typeface="DejaVu Sans"/>
               </a:rPr>
               <a:t>Proxy</a:t>
             </a:r>
@@ -2222,18 +2397,38 @@
               <a:latin typeface="Arial"/>
             </a:endParaRPr>
           </a:p>
-        </p:txBody>
-      </p:sp>
-      <p:sp>
-        <p:nvSpPr>
-          <p:cNvPr id="49" name="CustomShape 10"/>
+          <a:p>
+            <a:pPr algn="ctr">
+              <a:lnSpc>
+                <a:spcPct val="100000"/>
+              </a:lnSpc>
+            </a:pPr>
+            <a:r>
+              <a:rPr b="1" lang="de-DE" sz="600" spc="-1" strike="noStrike">
+                <a:solidFill>
+                  <a:srgbClr val="000000"/>
+                </a:solidFill>
+                <a:latin typeface="DejaVu Sans Mono"/>
+                <a:ea typeface="DejaVu Sans"/>
+              </a:rPr>
+              <a:t>agile-pep.py</a:t>
+            </a:r>
+            <a:endParaRPr b="0" lang="de-DE" sz="600" spc="-1" strike="noStrike">
+              <a:latin typeface="Arial"/>
+            </a:endParaRPr>
+          </a:p>
+        </p:txBody>
+      </p:sp>
+      <p:sp>
+        <p:nvSpPr>
+          <p:cNvPr id="47" name="CustomShape 10"/>
           <p:cNvSpPr/>
           <p:nvPr/>
         </p:nvSpPr>
         <p:spPr>
           <a:xfrm>
-            <a:off x="9767880" y="4807080"/>
-            <a:ext cx="1315080" cy="242640"/>
+            <a:off x="8615880" y="3907080"/>
+            <a:ext cx="1314720" cy="242280"/>
           </a:xfrm>
           <a:prstGeom prst="rect">
             <a:avLst/>
@@ -2263,6 +2458,7 @@
                   <a:srgbClr val="000000"/>
                 </a:solidFill>
                 <a:latin typeface="Calibri"/>
+                <a:ea typeface="DejaVu Sans"/>
               </a:rPr>
               <a:t>Core Components</a:t>
             </a:r>
@@ -2274,14 +2470,14 @@
       </p:sp>
       <p:sp>
         <p:nvSpPr>
-          <p:cNvPr id="50" name="CustomShape 11"/>
+          <p:cNvPr id="48" name="CustomShape 11"/>
           <p:cNvSpPr/>
           <p:nvPr/>
         </p:nvSpPr>
         <p:spPr>
           <a:xfrm>
-            <a:off x="6034680" y="6069600"/>
-            <a:ext cx="1676160" cy="242640"/>
+            <a:off x="4882680" y="5169600"/>
+            <a:ext cx="1675800" cy="242280"/>
           </a:xfrm>
           <a:prstGeom prst="rect">
             <a:avLst/>
@@ -2311,6 +2507,17 @@
                   <a:srgbClr val="000000"/>
                 </a:solidFill>
                 <a:latin typeface="Calibri"/>
+                <a:ea typeface="DejaVu Sans"/>
+              </a:rPr>
+              <a:t>   </a:t>
+            </a:r>
+            <a:r>
+              <a:rPr b="0" lang="de-DE" sz="1000" spc="-1" strike="noStrike">
+                <a:solidFill>
+                  <a:srgbClr val="000000"/>
+                </a:solidFill>
+                <a:latin typeface="Calibri"/>
+                <a:ea typeface="DejaVu Sans"/>
               </a:rPr>
               <a:t>Connection Component</a:t>
             </a:r>
@@ -2322,14 +2529,14 @@
       </p:sp>
       <p:sp>
         <p:nvSpPr>
-          <p:cNvPr id="51" name="CustomShape 12"/>
+          <p:cNvPr id="49" name="CustomShape 12"/>
           <p:cNvSpPr/>
           <p:nvPr/>
         </p:nvSpPr>
         <p:spPr>
           <a:xfrm>
-            <a:off x="6707160" y="3535920"/>
-            <a:ext cx="1689840" cy="242640"/>
+            <a:off x="5447160" y="2635920"/>
+            <a:ext cx="1689480" cy="242280"/>
           </a:xfrm>
           <a:prstGeom prst="rect">
             <a:avLst/>
@@ -2359,8 +2566,9 @@
                   <a:srgbClr val="000000"/>
                 </a:solidFill>
                 <a:latin typeface="Calibri"/>
-              </a:rPr>
-              <a:t>AGILE SDK Components</a:t>
+                <a:ea typeface="DejaVu Sans"/>
+              </a:rPr>
+              <a:t>AGILE SDK Components     </a:t>
             </a:r>
             <a:endParaRPr b="0" lang="de-DE" sz="1000" spc="-1" strike="noStrike">
               <a:latin typeface="Arial"/>
@@ -2370,13 +2578,13 @@
       </p:sp>
       <p:sp>
         <p:nvSpPr>
-          <p:cNvPr id="52" name="Line 13"/>
+          <p:cNvPr id="50" name="Line 13"/>
           <p:cNvSpPr/>
           <p:nvPr/>
         </p:nvSpPr>
         <p:spPr>
           <a:xfrm>
-            <a:off x="7441920" y="3186000"/>
+            <a:off x="6289920" y="2286000"/>
             <a:ext cx="252720" cy="1440"/>
           </a:xfrm>
           <a:prstGeom prst="line">
@@ -2386,6 +2594,7 @@
             <a:solidFill>
               <a:schemeClr val="tx1"/>
             </a:solidFill>
+            <a:round/>
           </a:ln>
         </p:spPr>
         <p:style>
@@ -2403,14 +2612,14 @@
       </p:sp>
       <p:sp>
         <p:nvSpPr>
-          <p:cNvPr id="53" name="CustomShape 14"/>
+          <p:cNvPr id="51" name="CustomShape 14"/>
           <p:cNvSpPr/>
           <p:nvPr/>
         </p:nvSpPr>
         <p:spPr>
           <a:xfrm flipH="1" flipV="1" rot="5400000">
-            <a:off x="7299360" y="3094560"/>
-            <a:ext cx="549720" cy="1438200"/>
+            <a:off x="6147720" y="2194560"/>
+            <a:ext cx="549360" cy="1437840"/>
           </a:xfrm>
           <a:prstGeom prst="bentConnector3">
             <a:avLst>
@@ -2422,6 +2631,7 @@
             <a:solidFill>
               <a:schemeClr val="tx1"/>
             </a:solidFill>
+            <a:round/>
           </a:ln>
         </p:spPr>
         <p:style>
@@ -2439,13 +2649,13 @@
       </p:sp>
       <p:sp>
         <p:nvSpPr>
-          <p:cNvPr id="54" name="Line 15"/>
+          <p:cNvPr id="52" name="Line 15"/>
           <p:cNvSpPr/>
           <p:nvPr/>
         </p:nvSpPr>
         <p:spPr>
           <a:xfrm flipH="1" flipV="1">
-            <a:off x="8293680" y="3539160"/>
+            <a:off x="7141680" y="2639160"/>
             <a:ext cx="2520" cy="547200"/>
           </a:xfrm>
           <a:prstGeom prst="line">
@@ -2455,6 +2665,7 @@
             <a:solidFill>
               <a:schemeClr val="tx1"/>
             </a:solidFill>
+            <a:round/>
           </a:ln>
         </p:spPr>
         <p:style>
@@ -2472,14 +2683,14 @@
       </p:sp>
       <p:sp>
         <p:nvSpPr>
-          <p:cNvPr id="55" name="CustomShape 16"/>
+          <p:cNvPr id="53" name="CustomShape 16"/>
           <p:cNvSpPr/>
           <p:nvPr/>
         </p:nvSpPr>
         <p:spPr>
           <a:xfrm flipV="1" rot="16200000">
-            <a:off x="8735040" y="3098160"/>
-            <a:ext cx="549720" cy="1431720"/>
+            <a:off x="7583040" y="2198520"/>
+            <a:ext cx="549360" cy="1431360"/>
           </a:xfrm>
           <a:prstGeom prst="bentConnector3">
             <a:avLst>
@@ -2491,6 +2702,7 @@
             <a:solidFill>
               <a:schemeClr val="tx1"/>
             </a:solidFill>
+            <a:round/>
           </a:ln>
         </p:spPr>
         <p:style>
@@ -2508,14 +2720,14 @@
       </p:sp>
       <p:sp>
         <p:nvSpPr>
-          <p:cNvPr id="56" name="CustomShape 17"/>
+          <p:cNvPr id="54" name="CustomShape 17"/>
           <p:cNvSpPr/>
           <p:nvPr/>
         </p:nvSpPr>
         <p:spPr>
           <a:xfrm flipV="1" rot="16200000">
-            <a:off x="9448200" y="2384640"/>
-            <a:ext cx="546840" cy="2855160"/>
+            <a:off x="8296200" y="1484640"/>
+            <a:ext cx="546480" cy="2854800"/>
           </a:xfrm>
           <a:prstGeom prst="bentConnector3">
             <a:avLst>
@@ -2527,6 +2739,7 @@
             <a:solidFill>
               <a:schemeClr val="tx1"/>
             </a:solidFill>
+            <a:round/>
           </a:ln>
         </p:spPr>
         <p:style>
@@ -2544,14 +2757,14 @@
       </p:sp>
       <p:sp>
         <p:nvSpPr>
-          <p:cNvPr id="57" name="CustomShape 18"/>
+          <p:cNvPr id="55" name="CustomShape 18"/>
           <p:cNvSpPr/>
           <p:nvPr/>
         </p:nvSpPr>
         <p:spPr>
           <a:xfrm rot="5400000">
-            <a:off x="8134920" y="4115520"/>
-            <a:ext cx="912960" cy="2269080"/>
+            <a:off x="6983280" y="3215520"/>
+            <a:ext cx="912600" cy="2268720"/>
           </a:xfrm>
           <a:prstGeom prst="bentConnector2">
             <a:avLst/>
@@ -2561,6 +2774,7 @@
             <a:solidFill>
               <a:schemeClr val="tx1"/>
             </a:solidFill>
+            <a:round/>
           </a:ln>
         </p:spPr>
         <p:style>
@@ -2578,14 +2792,14 @@
       </p:sp>
       <p:sp>
         <p:nvSpPr>
-          <p:cNvPr id="58" name="CustomShape 19"/>
+          <p:cNvPr id="56" name="CustomShape 19"/>
           <p:cNvSpPr/>
           <p:nvPr/>
         </p:nvSpPr>
         <p:spPr>
           <a:xfrm rot="5400000">
-            <a:off x="8844120" y="3400920"/>
-            <a:ext cx="915840" cy="3695040"/>
+            <a:off x="7692480" y="2500560"/>
+            <a:ext cx="915480" cy="3694680"/>
           </a:xfrm>
           <a:prstGeom prst="bentConnector2">
             <a:avLst/>
@@ -2595,6 +2809,7 @@
             <a:solidFill>
               <a:schemeClr val="tx1"/>
             </a:solidFill>
+            <a:round/>
           </a:ln>
         </p:spPr>
         <p:style>
@@ -2612,19 +2827,21 @@
       </p:sp>
       <p:sp>
         <p:nvSpPr>
-          <p:cNvPr id="59" name="CustomShape 20"/>
+          <p:cNvPr id="57" name="CustomShape 20"/>
           <p:cNvSpPr/>
           <p:nvPr/>
         </p:nvSpPr>
         <p:spPr>
           <a:xfrm>
-            <a:off x="6135480" y="2228040"/>
-            <a:ext cx="5716440" cy="244800"/>
-          </a:xfrm>
-          <a:prstGeom prst="rect">
-            <a:avLst/>
-          </a:prstGeom>
-          <a:ln/>
+            <a:off x="4983480" y="1328040"/>
+            <a:ext cx="5716080" cy="244440"/>
+          </a:xfrm>
+          <a:prstGeom prst="rect">
+            <a:avLst/>
+          </a:prstGeom>
+          <a:ln>
+            <a:round/>
+          </a:ln>
         </p:spPr>
         <p:style>
           <a:lnRef idx="2">
@@ -2652,6 +2869,7 @@
                   <a:srgbClr val="000000"/>
                 </a:solidFill>
                 <a:latin typeface="Calibri"/>
+                <a:ea typeface="DejaVu Sans"/>
               </a:rPr>
               <a:t>AGILE SDK</a:t>
             </a:r>
@@ -2663,19 +2881,21 @@
       </p:sp>
       <p:sp>
         <p:nvSpPr>
-          <p:cNvPr id="60" name="CustomShape 21"/>
+          <p:cNvPr id="58" name="CustomShape 21"/>
           <p:cNvSpPr/>
           <p:nvPr/>
         </p:nvSpPr>
         <p:spPr>
           <a:xfrm>
-            <a:off x="2621160" y="2228040"/>
-            <a:ext cx="3218400" cy="1858320"/>
-          </a:xfrm>
-          <a:prstGeom prst="rect">
-            <a:avLst/>
-          </a:prstGeom>
-          <a:ln/>
+            <a:off x="1469160" y="1328040"/>
+            <a:ext cx="3218040" cy="1857960"/>
+          </a:xfrm>
+          <a:prstGeom prst="rect">
+            <a:avLst/>
+          </a:prstGeom>
+          <a:ln>
+            <a:round/>
+          </a:ln>
         </p:spPr>
         <p:style>
           <a:lnRef idx="2">
@@ -2703,6 +2923,7 @@
                   <a:srgbClr val="000000"/>
                 </a:solidFill>
                 <a:latin typeface="Calibri"/>
+                <a:ea typeface="DejaVu Sans"/>
               </a:rPr>
               <a:t>AGILE Gateway</a:t>
             </a:r>
@@ -2714,19 +2935,21 @@
       </p:sp>
       <p:sp>
         <p:nvSpPr>
-          <p:cNvPr id="61" name="CustomShape 22"/>
+          <p:cNvPr id="59" name="CustomShape 22"/>
           <p:cNvSpPr/>
           <p:nvPr/>
         </p:nvSpPr>
         <p:spPr>
           <a:xfrm>
-            <a:off x="2727720" y="2336760"/>
-            <a:ext cx="2990880" cy="1456200"/>
-          </a:xfrm>
-          <a:prstGeom prst="rect">
-            <a:avLst/>
-          </a:prstGeom>
-          <a:ln/>
+            <a:off x="1575720" y="1436760"/>
+            <a:ext cx="2990520" cy="1455840"/>
+          </a:xfrm>
+          <a:prstGeom prst="rect">
+            <a:avLst/>
+          </a:prstGeom>
+          <a:ln>
+            <a:round/>
+          </a:ln>
         </p:spPr>
         <p:style>
           <a:lnRef idx="2">
@@ -2754,8 +2977,19 @@
                   <a:srgbClr val="000000"/>
                 </a:solidFill>
                 <a:latin typeface="Calibri"/>
-              </a:rPr>
-              <a:t>Security Framework</a:t>
+                <a:ea typeface="DejaVu Sans"/>
+              </a:rPr>
+              <a:t>Security </a:t>
+            </a:r>
+            <a:r>
+              <a:rPr b="1" lang="de-DE" sz="1000" spc="-1" strike="noStrike">
+                <a:solidFill>
+                  <a:srgbClr val="000000"/>
+                </a:solidFill>
+                <a:latin typeface="Calibri"/>
+                <a:ea typeface="DejaVu Sans"/>
+              </a:rPr>
+              <a:t>Framework</a:t>
             </a:r>
             <a:endParaRPr b="0" lang="de-DE" sz="1000" spc="-1" strike="noStrike">
               <a:latin typeface="Arial"/>
@@ -2765,19 +2999,21 @@
       </p:sp>
       <p:sp>
         <p:nvSpPr>
-          <p:cNvPr id="62" name="CustomShape 23"/>
+          <p:cNvPr id="60" name="CustomShape 23"/>
           <p:cNvSpPr/>
           <p:nvPr/>
         </p:nvSpPr>
         <p:spPr>
           <a:xfrm>
-            <a:off x="2827080" y="2435760"/>
-            <a:ext cx="1197360" cy="703800"/>
-          </a:xfrm>
-          <a:prstGeom prst="rect">
-            <a:avLst/>
-          </a:prstGeom>
-          <a:ln/>
+            <a:off x="1675080" y="1535760"/>
+            <a:ext cx="1197000" cy="703440"/>
+          </a:xfrm>
+          <a:prstGeom prst="rect">
+            <a:avLst/>
+          </a:prstGeom>
+          <a:ln>
+            <a:round/>
+          </a:ln>
         </p:spPr>
         <p:style>
           <a:lnRef idx="2">
@@ -2805,6 +3041,7 @@
                   <a:srgbClr val="000000"/>
                 </a:solidFill>
                 <a:latin typeface="Calibri"/>
+                <a:ea typeface="DejaVu Sans"/>
               </a:rPr>
               <a:t>IDM</a:t>
             </a:r>
@@ -2816,19 +3053,21 @@
       </p:sp>
       <p:sp>
         <p:nvSpPr>
-          <p:cNvPr id="63" name="CustomShape 24"/>
+          <p:cNvPr id="61" name="CustomShape 24"/>
           <p:cNvSpPr/>
           <p:nvPr/>
         </p:nvSpPr>
         <p:spPr>
           <a:xfrm>
-            <a:off x="4202280" y="2433960"/>
-            <a:ext cx="1197360" cy="703800"/>
-          </a:xfrm>
-          <a:prstGeom prst="rect">
-            <a:avLst/>
-          </a:prstGeom>
-          <a:ln/>
+            <a:off x="3050280" y="1533960"/>
+            <a:ext cx="1197000" cy="703440"/>
+          </a:xfrm>
+          <a:prstGeom prst="rect">
+            <a:avLst/>
+          </a:prstGeom>
+          <a:ln>
+            <a:round/>
+          </a:ln>
         </p:spPr>
         <p:style>
           <a:lnRef idx="2">
@@ -2856,6 +3095,7 @@
                   <a:srgbClr val="000000"/>
                 </a:solidFill>
                 <a:latin typeface="Calibri"/>
+                <a:ea typeface="DejaVu Sans"/>
               </a:rPr>
               <a:t>Usage Locks</a:t>
             </a:r>
@@ -2867,19 +3107,21 @@
       </p:sp>
       <p:sp>
         <p:nvSpPr>
-          <p:cNvPr id="64" name="CustomShape 25"/>
+          <p:cNvPr id="62" name="CustomShape 25"/>
           <p:cNvSpPr/>
           <p:nvPr/>
         </p:nvSpPr>
         <p:spPr>
           <a:xfrm>
-            <a:off x="2619360" y="4451760"/>
-            <a:ext cx="3218400" cy="1858320"/>
-          </a:xfrm>
-          <a:prstGeom prst="rect">
-            <a:avLst/>
-          </a:prstGeom>
-          <a:ln/>
+            <a:off x="1467360" y="3551760"/>
+            <a:ext cx="3218040" cy="1857960"/>
+          </a:xfrm>
+          <a:prstGeom prst="rect">
+            <a:avLst/>
+          </a:prstGeom>
+          <a:ln>
+            <a:round/>
+          </a:ln>
         </p:spPr>
         <p:style>
           <a:lnRef idx="2">
@@ -2907,6 +3149,7 @@
                   <a:srgbClr val="000000"/>
                 </a:solidFill>
                 <a:latin typeface="Calibri"/>
+                <a:ea typeface="DejaVu Sans"/>
               </a:rPr>
               <a:t>Database Management System (DBMS)</a:t>
             </a:r>
@@ -2918,19 +3161,21 @@
       </p:sp>
       <p:sp>
         <p:nvSpPr>
-          <p:cNvPr id="65" name="CustomShape 26"/>
+          <p:cNvPr id="63" name="CustomShape 26"/>
           <p:cNvSpPr/>
           <p:nvPr/>
         </p:nvSpPr>
         <p:spPr>
           <a:xfrm>
-            <a:off x="2825280" y="4670280"/>
-            <a:ext cx="1197360" cy="703800"/>
-          </a:xfrm>
-          <a:prstGeom prst="rect">
-            <a:avLst/>
-          </a:prstGeom>
-          <a:ln/>
+            <a:off x="1673280" y="3770280"/>
+            <a:ext cx="1197000" cy="703440"/>
+          </a:xfrm>
+          <a:prstGeom prst="rect">
+            <a:avLst/>
+          </a:prstGeom>
+          <a:ln>
+            <a:round/>
+          </a:ln>
         </p:spPr>
         <p:style>
           <a:lnRef idx="2">
@@ -2958,6 +3203,7 @@
                   <a:srgbClr val="000000"/>
                 </a:solidFill>
                 <a:latin typeface="Calibri"/>
+                <a:ea typeface="DejaVu Sans"/>
               </a:rPr>
               <a:t>MySQL Database</a:t>
             </a:r>
@@ -2969,13 +3215,13 @@
       </p:sp>
       <p:sp>
         <p:nvSpPr>
-          <p:cNvPr id="66" name="Line 27"/>
+          <p:cNvPr id="64" name="Line 27"/>
           <p:cNvSpPr/>
           <p:nvPr/>
         </p:nvSpPr>
         <p:spPr>
           <a:xfrm flipH="1" flipV="1">
-            <a:off x="6816600" y="2472840"/>
+            <a:off x="5664600" y="1572840"/>
             <a:ext cx="1800" cy="263520"/>
           </a:xfrm>
           <a:prstGeom prst="line">
@@ -2985,6 +3231,7 @@
             <a:solidFill>
               <a:schemeClr val="tx1"/>
             </a:solidFill>
+            <a:round/>
           </a:ln>
         </p:spPr>
         <p:style>
@@ -3002,13 +3249,13 @@
       </p:sp>
       <p:sp>
         <p:nvSpPr>
-          <p:cNvPr id="67" name="Line 28"/>
+          <p:cNvPr id="65" name="Line 28"/>
           <p:cNvSpPr/>
           <p:nvPr/>
         </p:nvSpPr>
         <p:spPr>
           <a:xfrm>
-            <a:off x="5837760" y="2357280"/>
+            <a:off x="4685760" y="1457280"/>
             <a:ext cx="297360" cy="360"/>
           </a:xfrm>
           <a:prstGeom prst="line">
@@ -3018,6 +3265,7 @@
             <a:solidFill>
               <a:schemeClr val="tx1"/>
             </a:solidFill>
+            <a:round/>
           </a:ln>
         </p:spPr>
         <p:style>
@@ -3035,13 +3283,13 @@
       </p:sp>
       <p:sp>
         <p:nvSpPr>
-          <p:cNvPr id="68" name="Line 29"/>
+          <p:cNvPr id="66" name="Line 29"/>
           <p:cNvSpPr/>
           <p:nvPr/>
         </p:nvSpPr>
         <p:spPr>
           <a:xfrm>
-            <a:off x="5837760" y="5700240"/>
+            <a:off x="4685760" y="4800240"/>
             <a:ext cx="297360" cy="360"/>
           </a:xfrm>
           <a:prstGeom prst="line">
@@ -3051,6 +3299,7 @@
             <a:solidFill>
               <a:schemeClr val="tx1"/>
             </a:solidFill>
+            <a:round/>
           </a:ln>
         </p:spPr>
         <p:style>
